--- a/Student_Management_System/Student_Management_System_Presentation_with_Images.pptx
+++ b/Student_Management_System/Student_Management_System_Presentation_with_Images.pptx
@@ -3107,8 +3107,18 @@
           <a:lstStyle/>
           <a:p>
             <a:r>
+              <a:rPr>
+                <a:solidFill>
+                  <a:schemeClr val="bg1"/>
+                </a:solidFill>
+              </a:rPr>
               <a:t>Student Management System</a:t>
             </a:r>
+            <a:endParaRPr>
+              <a:solidFill>
+                <a:schemeClr val="bg1"/>
+              </a:solidFill>
+            </a:endParaRPr>
           </a:p>
         </p:txBody>
       </p:sp>
@@ -3145,33 +3155,181 @@
         <p:txBody>
           <a:bodyPr>
             <a:normAutofit fontScale="90000" lnSpcReduction="20000"/>
+            <a:scene3d>
+              <a:camera prst="orthographicFront"/>
+              <a:lightRig rig="threePt" dir="t"/>
+            </a:scene3d>
           </a:bodyPr>
           <a:lstStyle/>
           <a:p>
             <a:r>
+              <a:rPr>
+                <a:ln/>
+                <a:solidFill>
+                  <a:schemeClr val="tx1"/>
+                </a:solidFill>
+                <a:effectLst>
+                  <a:outerShdw blurRad="38100" dist="19050" dir="2700000" algn="tl" rotWithShape="0">
+                    <a:schemeClr val="dk1">
+                      <a:alpha val="40000"/>
+                    </a:schemeClr>
+                  </a:outerShdw>
+                </a:effectLst>
+              </a:rPr>
               <a:t>A Web Application for Managing Student Records</a:t>
             </a:r>
-          </a:p>
-          <a:p/>
-          <a:p>
-            <a:r>
+            <a:endParaRPr>
+              <a:ln/>
+              <a:solidFill>
+                <a:schemeClr val="tx1"/>
+              </a:solidFill>
+              <a:effectLst>
+                <a:outerShdw blurRad="38100" dist="19050" dir="2700000" algn="tl" rotWithShape="0">
+                  <a:schemeClr val="dk1">
+                    <a:alpha val="40000"/>
+                  </a:schemeClr>
+                </a:outerShdw>
+              </a:effectLst>
+            </a:endParaRPr>
+          </a:p>
+          <a:p>
+            <a:endParaRPr>
+              <a:ln/>
+              <a:solidFill>
+                <a:schemeClr val="tx1"/>
+              </a:solidFill>
+              <a:effectLst>
+                <a:outerShdw blurRad="38100" dist="19050" dir="2700000" algn="tl" rotWithShape="0">
+                  <a:schemeClr val="dk1">
+                    <a:alpha val="40000"/>
+                  </a:schemeClr>
+                </a:outerShdw>
+              </a:effectLst>
+            </a:endParaRPr>
+          </a:p>
+          <a:p>
+            <a:r>
+              <a:rPr>
+                <a:ln/>
+                <a:solidFill>
+                  <a:schemeClr val="tx1"/>
+                </a:solidFill>
+                <a:effectLst>
+                  <a:outerShdw blurRad="38100" dist="19050" dir="2700000" algn="tl" rotWithShape="0">
+                    <a:schemeClr val="dk1">
+                      <a:alpha val="40000"/>
+                    </a:schemeClr>
+                  </a:outerShdw>
+                </a:effectLst>
+              </a:rPr>
               <a:t>Presented by: Bevara Rajasekhar</a:t>
             </a:r>
-          </a:p>
-          <a:p>
-            <a:r>
+            <a:endParaRPr>
+              <a:ln/>
+              <a:solidFill>
+                <a:schemeClr val="tx1"/>
+              </a:solidFill>
+              <a:effectLst>
+                <a:outerShdw blurRad="38100" dist="19050" dir="2700000" algn="tl" rotWithShape="0">
+                  <a:schemeClr val="dk1">
+                    <a:alpha val="40000"/>
+                  </a:schemeClr>
+                </a:outerShdw>
+              </a:effectLst>
+            </a:endParaRPr>
+          </a:p>
+          <a:p>
+            <a:r>
+              <a:rPr>
+                <a:ln/>
+                <a:solidFill>
+                  <a:schemeClr val="tx1"/>
+                </a:solidFill>
+                <a:effectLst>
+                  <a:outerShdw blurRad="38100" dist="19050" dir="2700000" algn="tl" rotWithShape="0">
+                    <a:schemeClr val="dk1">
+                      <a:alpha val="40000"/>
+                    </a:schemeClr>
+                  </a:outerShdw>
+                </a:effectLst>
+              </a:rPr>
               <a:t>Course: B.Tech (AI &amp; ML)</a:t>
             </a:r>
-          </a:p>
-          <a:p>
-            <a:r>
+            <a:endParaRPr>
+              <a:ln/>
+              <a:solidFill>
+                <a:schemeClr val="tx1"/>
+              </a:solidFill>
+              <a:effectLst>
+                <a:outerShdw blurRad="38100" dist="19050" dir="2700000" algn="tl" rotWithShape="0">
+                  <a:schemeClr val="dk1">
+                    <a:alpha val="40000"/>
+                  </a:schemeClr>
+                </a:outerShdw>
+              </a:effectLst>
+            </a:endParaRPr>
+          </a:p>
+          <a:p>
+            <a:r>
+              <a:rPr>
+                <a:ln/>
+                <a:solidFill>
+                  <a:schemeClr val="tx1"/>
+                </a:solidFill>
+                <a:effectLst>
+                  <a:outerShdw blurRad="38100" dist="19050" dir="2700000" algn="tl" rotWithShape="0">
+                    <a:schemeClr val="dk1">
+                      <a:alpha val="40000"/>
+                    </a:schemeClr>
+                  </a:outerShdw>
+                </a:effectLst>
+              </a:rPr>
               <a:t>Institution: Sri Sivani College of Engineering</a:t>
             </a:r>
-          </a:p>
-          <a:p>
-            <a:r>
+            <a:endParaRPr>
+              <a:ln/>
+              <a:solidFill>
+                <a:schemeClr val="tx1"/>
+              </a:solidFill>
+              <a:effectLst>
+                <a:outerShdw blurRad="38100" dist="19050" dir="2700000" algn="tl" rotWithShape="0">
+                  <a:schemeClr val="dk1">
+                    <a:alpha val="40000"/>
+                  </a:schemeClr>
+                </a:outerShdw>
+              </a:effectLst>
+            </a:endParaRPr>
+          </a:p>
+          <a:p>
+            <a:r>
+              <a:rPr>
+                <a:ln/>
+                <a:solidFill>
+                  <a:schemeClr val="tx1"/>
+                </a:solidFill>
+                <a:effectLst>
+                  <a:outerShdw blurRad="38100" dist="19050" dir="2700000" algn="tl" rotWithShape="0">
+                    <a:schemeClr val="dk1">
+                      <a:alpha val="40000"/>
+                    </a:schemeClr>
+                  </a:outerShdw>
+                </a:effectLst>
+              </a:rPr>
               <a:t>Date: [Insert Date]</a:t>
             </a:r>
+            <a:endParaRPr>
+              <a:ln/>
+              <a:solidFill>
+                <a:schemeClr val="tx1"/>
+              </a:solidFill>
+              <a:effectLst>
+                <a:outerShdw blurRad="38100" dist="19050" dir="2700000" algn="tl" rotWithShape="0">
+                  <a:schemeClr val="dk1">
+                    <a:alpha val="40000"/>
+                  </a:schemeClr>
+                </a:outerShdw>
+              </a:effectLst>
+            </a:endParaRPr>
           </a:p>
         </p:txBody>
       </p:sp>
@@ -3254,7 +3412,12 @@
           </a:fontRef>
         </p:style>
         <p:txBody>
-          <a:bodyPr/>
+          <a:bodyPr>
+            <a:scene3d>
+              <a:camera prst="orthographicFront"/>
+              <a:lightRig rig="threePt" dir="t"/>
+            </a:scene3d>
+          </a:bodyPr>
           <a:lstStyle/>
           <a:p>
             <a:pPr algn="l"/>
@@ -3271,8 +3434,34 @@
               </a:defRPr>
             </a:pPr>
             <a:r>
+              <a:rPr>
+                <a:ln/>
+                <a:solidFill>
+                  <a:schemeClr val="tx1"/>
+                </a:solidFill>
+                <a:effectLst>
+                  <a:outerShdw blurRad="38100" dist="19050" dir="2700000" algn="tl" rotWithShape="0">
+                    <a:schemeClr val="dk1">
+                      <a:alpha val="40000"/>
+                    </a:schemeClr>
+                  </a:outerShdw>
+                </a:effectLst>
+              </a:rPr>
               <a:t>• Add authentication (login/register)</a:t>
             </a:r>
+            <a:endParaRPr>
+              <a:ln/>
+              <a:solidFill>
+                <a:schemeClr val="tx1"/>
+              </a:solidFill>
+              <a:effectLst>
+                <a:outerShdw blurRad="38100" dist="19050" dir="2700000" algn="tl" rotWithShape="0">
+                  <a:schemeClr val="dk1">
+                    <a:alpha val="40000"/>
+                  </a:schemeClr>
+                </a:outerShdw>
+              </a:effectLst>
+            </a:endParaRPr>
           </a:p>
           <a:p>
             <a:pPr algn="l">
@@ -3286,8 +3475,34 @@
               </a:defRPr>
             </a:pPr>
             <a:r>
+              <a:rPr>
+                <a:ln/>
+                <a:solidFill>
+                  <a:schemeClr val="tx1"/>
+                </a:solidFill>
+                <a:effectLst>
+                  <a:outerShdw blurRad="38100" dist="19050" dir="2700000" algn="tl" rotWithShape="0">
+                    <a:schemeClr val="dk1">
+                      <a:alpha val="40000"/>
+                    </a:schemeClr>
+                  </a:outerShdw>
+                </a:effectLst>
+              </a:rPr>
               <a:t>• Implement search &amp; filters</a:t>
             </a:r>
+            <a:endParaRPr>
+              <a:ln/>
+              <a:solidFill>
+                <a:schemeClr val="tx1"/>
+              </a:solidFill>
+              <a:effectLst>
+                <a:outerShdw blurRad="38100" dist="19050" dir="2700000" algn="tl" rotWithShape="0">
+                  <a:schemeClr val="dk1">
+                    <a:alpha val="40000"/>
+                  </a:schemeClr>
+                </a:outerShdw>
+              </a:effectLst>
+            </a:endParaRPr>
           </a:p>
           <a:p>
             <a:pPr algn="l">
@@ -3301,8 +3516,34 @@
               </a:defRPr>
             </a:pPr>
             <a:r>
+              <a:rPr>
+                <a:ln/>
+                <a:solidFill>
+                  <a:schemeClr val="tx1"/>
+                </a:solidFill>
+                <a:effectLst>
+                  <a:outerShdw blurRad="38100" dist="19050" dir="2700000" algn="tl" rotWithShape="0">
+                    <a:schemeClr val="dk1">
+                      <a:alpha val="40000"/>
+                    </a:schemeClr>
+                  </a:outerShdw>
+                </a:effectLst>
+              </a:rPr>
               <a:t>• Export to Excel or PDF</a:t>
             </a:r>
+            <a:endParaRPr>
+              <a:ln/>
+              <a:solidFill>
+                <a:schemeClr val="tx1"/>
+              </a:solidFill>
+              <a:effectLst>
+                <a:outerShdw blurRad="38100" dist="19050" dir="2700000" algn="tl" rotWithShape="0">
+                  <a:schemeClr val="dk1">
+                    <a:alpha val="40000"/>
+                  </a:schemeClr>
+                </a:outerShdw>
+              </a:effectLst>
+            </a:endParaRPr>
           </a:p>
           <a:p>
             <a:pPr algn="l">
@@ -3316,8 +3557,34 @@
               </a:defRPr>
             </a:pPr>
             <a:r>
+              <a:rPr>
+                <a:ln/>
+                <a:solidFill>
+                  <a:schemeClr val="tx1"/>
+                </a:solidFill>
+                <a:effectLst>
+                  <a:outerShdw blurRad="38100" dist="19050" dir="2700000" algn="tl" rotWithShape="0">
+                    <a:schemeClr val="dk1">
+                      <a:alpha val="40000"/>
+                    </a:schemeClr>
+                  </a:outerShdw>
+                </a:effectLst>
+              </a:rPr>
               <a:t>• Mobile responsive design</a:t>
             </a:r>
+            <a:endParaRPr>
+              <a:ln/>
+              <a:solidFill>
+                <a:schemeClr val="tx1"/>
+              </a:solidFill>
+              <a:effectLst>
+                <a:outerShdw blurRad="38100" dist="19050" dir="2700000" algn="tl" rotWithShape="0">
+                  <a:schemeClr val="dk1">
+                    <a:alpha val="40000"/>
+                  </a:schemeClr>
+                </a:outerShdw>
+              </a:effectLst>
+            </a:endParaRPr>
           </a:p>
           <a:p>
             <a:pPr algn="l">
@@ -3331,8 +3598,34 @@
               </a:defRPr>
             </a:pPr>
             <a:r>
+              <a:rPr>
+                <a:ln/>
+                <a:solidFill>
+                  <a:schemeClr val="tx1"/>
+                </a:solidFill>
+                <a:effectLst>
+                  <a:outerShdw blurRad="38100" dist="19050" dir="2700000" algn="tl" rotWithShape="0">
+                    <a:schemeClr val="dk1">
+                      <a:alpha val="40000"/>
+                    </a:schemeClr>
+                  </a:outerShdw>
+                </a:effectLst>
+              </a:rPr>
               <a:t>• Role-based access (admin/student)</a:t>
             </a:r>
+            <a:endParaRPr>
+              <a:ln/>
+              <a:solidFill>
+                <a:schemeClr val="tx1"/>
+              </a:solidFill>
+              <a:effectLst>
+                <a:outerShdw blurRad="38100" dist="19050" dir="2700000" algn="tl" rotWithShape="0">
+                  <a:schemeClr val="dk1">
+                    <a:alpha val="40000"/>
+                  </a:schemeClr>
+                </a:outerShdw>
+              </a:effectLst>
+            </a:endParaRPr>
           </a:p>
         </p:txBody>
       </p:sp>
@@ -3415,7 +3708,12 @@
           </a:fontRef>
         </p:style>
         <p:txBody>
-          <a:bodyPr/>
+          <a:bodyPr>
+            <a:scene3d>
+              <a:camera prst="orthographicFront"/>
+              <a:lightRig rig="threePt" dir="t"/>
+            </a:scene3d>
+          </a:bodyPr>
           <a:lstStyle/>
           <a:p>
             <a:pPr algn="l"/>
@@ -3432,8 +3730,34 @@
               </a:defRPr>
             </a:pPr>
             <a:r>
+              <a:rPr>
+                <a:ln/>
+                <a:solidFill>
+                  <a:schemeClr val="tx1"/>
+                </a:solidFill>
+                <a:effectLst>
+                  <a:outerShdw blurRad="38100" dist="19050" dir="2700000" algn="tl" rotWithShape="0">
+                    <a:schemeClr val="dk1">
+                      <a:alpha val="40000"/>
+                    </a:schemeClr>
+                  </a:outerShdw>
+                </a:effectLst>
+              </a:rPr>
               <a:t>• The system simplifies student management.</a:t>
             </a:r>
+            <a:endParaRPr>
+              <a:ln/>
+              <a:solidFill>
+                <a:schemeClr val="tx1"/>
+              </a:solidFill>
+              <a:effectLst>
+                <a:outerShdw blurRad="38100" dist="19050" dir="2700000" algn="tl" rotWithShape="0">
+                  <a:schemeClr val="dk1">
+                    <a:alpha val="40000"/>
+                  </a:schemeClr>
+                </a:outerShdw>
+              </a:effectLst>
+            </a:endParaRPr>
           </a:p>
           <a:p>
             <a:pPr algn="l">
@@ -3447,8 +3771,34 @@
               </a:defRPr>
             </a:pPr>
             <a:r>
+              <a:rPr>
+                <a:ln/>
+                <a:solidFill>
+                  <a:schemeClr val="tx1"/>
+                </a:solidFill>
+                <a:effectLst>
+                  <a:outerShdw blurRad="38100" dist="19050" dir="2700000" algn="tl" rotWithShape="0">
+                    <a:schemeClr val="dk1">
+                      <a:alpha val="40000"/>
+                    </a:schemeClr>
+                  </a:outerShdw>
+                </a:effectLst>
+              </a:rPr>
               <a:t>• Reduces manual effort and improves accuracy.</a:t>
             </a:r>
+            <a:endParaRPr>
+              <a:ln/>
+              <a:solidFill>
+                <a:schemeClr val="tx1"/>
+              </a:solidFill>
+              <a:effectLst>
+                <a:outerShdw blurRad="38100" dist="19050" dir="2700000" algn="tl" rotWithShape="0">
+                  <a:schemeClr val="dk1">
+                    <a:alpha val="40000"/>
+                  </a:schemeClr>
+                </a:outerShdw>
+              </a:effectLst>
+            </a:endParaRPr>
           </a:p>
           <a:p>
             <a:pPr algn="l">
@@ -3462,8 +3812,34 @@
               </a:defRPr>
             </a:pPr>
             <a:r>
+              <a:rPr>
+                <a:ln/>
+                <a:solidFill>
+                  <a:schemeClr val="tx1"/>
+                </a:solidFill>
+                <a:effectLst>
+                  <a:outerShdw blurRad="38100" dist="19050" dir="2700000" algn="tl" rotWithShape="0">
+                    <a:schemeClr val="dk1">
+                      <a:alpha val="40000"/>
+                    </a:schemeClr>
+                  </a:outerShdw>
+                </a:effectLst>
+              </a:rPr>
               <a:t>• Can be used in colleges for managing academic records efficiently.</a:t>
             </a:r>
+            <a:endParaRPr>
+              <a:ln/>
+              <a:solidFill>
+                <a:schemeClr val="tx1"/>
+              </a:solidFill>
+              <a:effectLst>
+                <a:outerShdw blurRad="38100" dist="19050" dir="2700000" algn="tl" rotWithShape="0">
+                  <a:schemeClr val="dk1">
+                    <a:alpha val="40000"/>
+                  </a:schemeClr>
+                </a:outerShdw>
+              </a:effectLst>
+            </a:endParaRPr>
           </a:p>
         </p:txBody>
       </p:sp>
@@ -3546,7 +3922,12 @@
           </a:fontRef>
         </p:style>
         <p:txBody>
-          <a:bodyPr/>
+          <a:bodyPr>
+            <a:scene3d>
+              <a:camera prst="orthographicFront"/>
+              <a:lightRig rig="threePt" dir="t"/>
+            </a:scene3d>
+          </a:bodyPr>
           <a:lstStyle/>
           <a:p>
             <a:pPr algn="l"/>
@@ -3563,10 +3944,34 @@
               </a:defRPr>
             </a:pPr>
             <a:r>
-              <a:rPr lang="en-IN"/>
+              <a:rPr lang="en-IN" sz="3600">
+                <a:ln/>
+                <a:solidFill>
+                  <a:schemeClr val="tx1"/>
+                </a:solidFill>
+                <a:effectLst>
+                  <a:outerShdw blurRad="38100" dist="19050" dir="2700000" algn="tl" rotWithShape="0">
+                    <a:schemeClr val="dk1">
+                      <a:alpha val="40000"/>
+                    </a:schemeClr>
+                  </a:outerShdw>
+                </a:effectLst>
+              </a:rPr>
               <a:t>MICRO IT</a:t>
             </a:r>
-            <a:endParaRPr lang="en-IN"/>
+            <a:endParaRPr lang="en-IN" sz="3600">
+              <a:ln/>
+              <a:solidFill>
+                <a:schemeClr val="tx1"/>
+              </a:solidFill>
+              <a:effectLst>
+                <a:outerShdw blurRad="38100" dist="19050" dir="2700000" algn="tl" rotWithShape="0">
+                  <a:schemeClr val="dk1">
+                    <a:alpha val="40000"/>
+                  </a:schemeClr>
+                </a:outerShdw>
+              </a:effectLst>
+            </a:endParaRPr>
           </a:p>
         </p:txBody>
       </p:sp>
@@ -3649,7 +4054,12 @@
           </a:fontRef>
         </p:style>
         <p:txBody>
-          <a:bodyPr/>
+          <a:bodyPr>
+            <a:scene3d>
+              <a:camera prst="orthographicFront"/>
+              <a:lightRig rig="threePt" dir="t"/>
+            </a:scene3d>
+          </a:bodyPr>
           <a:lstStyle/>
           <a:p>
             <a:pPr algn="l"/>
@@ -3666,8 +4076,34 @@
               </a:defRPr>
             </a:pPr>
             <a:r>
+              <a:rPr>
+                <a:ln/>
+                <a:solidFill>
+                  <a:schemeClr val="tx1"/>
+                </a:solidFill>
+                <a:effectLst>
+                  <a:outerShdw blurRad="38100" dist="19050" dir="2700000" algn="tl" rotWithShape="0">
+                    <a:schemeClr val="dk1">
+                      <a:alpha val="40000"/>
+                    </a:schemeClr>
+                  </a:outerShdw>
+                </a:effectLst>
+              </a:rPr>
               <a:t>• Manual student data management is time-consuming and error-prone.</a:t>
             </a:r>
+            <a:endParaRPr>
+              <a:ln/>
+              <a:solidFill>
+                <a:schemeClr val="tx1"/>
+              </a:solidFill>
+              <a:effectLst>
+                <a:outerShdw blurRad="38100" dist="19050" dir="2700000" algn="tl" rotWithShape="0">
+                  <a:schemeClr val="dk1">
+                    <a:alpha val="40000"/>
+                  </a:schemeClr>
+                </a:outerShdw>
+              </a:effectLst>
+            </a:endParaRPr>
           </a:p>
           <a:p>
             <a:pPr algn="l">
@@ -3681,8 +4117,34 @@
               </a:defRPr>
             </a:pPr>
             <a:r>
+              <a:rPr>
+                <a:ln/>
+                <a:solidFill>
+                  <a:schemeClr val="tx1"/>
+                </a:solidFill>
+                <a:effectLst>
+                  <a:outerShdw blurRad="38100" dist="19050" dir="2700000" algn="tl" rotWithShape="0">
+                    <a:schemeClr val="dk1">
+                      <a:alpha val="40000"/>
+                    </a:schemeClr>
+                  </a:outerShdw>
+                </a:effectLst>
+              </a:rPr>
               <a:t>• Lack of centralized and searchable student records.</a:t>
             </a:r>
+            <a:endParaRPr>
+              <a:ln/>
+              <a:solidFill>
+                <a:schemeClr val="tx1"/>
+              </a:solidFill>
+              <a:effectLst>
+                <a:outerShdw blurRad="38100" dist="19050" dir="2700000" algn="tl" rotWithShape="0">
+                  <a:schemeClr val="dk1">
+                    <a:alpha val="40000"/>
+                  </a:schemeClr>
+                </a:outerShdw>
+              </a:effectLst>
+            </a:endParaRPr>
           </a:p>
           <a:p>
             <a:pPr algn="l">
@@ -3696,8 +4158,34 @@
               </a:defRPr>
             </a:pPr>
             <a:r>
+              <a:rPr>
+                <a:ln/>
+                <a:solidFill>
+                  <a:schemeClr val="tx1"/>
+                </a:solidFill>
+                <a:effectLst>
+                  <a:outerShdw blurRad="38100" dist="19050" dir="2700000" algn="tl" rotWithShape="0">
+                    <a:schemeClr val="dk1">
+                      <a:alpha val="40000"/>
+                    </a:schemeClr>
+                  </a:outerShdw>
+                </a:effectLst>
+              </a:rPr>
               <a:t>• Need for an efficient, user-friendly interface to manage academic details.</a:t>
             </a:r>
+            <a:endParaRPr>
+              <a:ln/>
+              <a:solidFill>
+                <a:schemeClr val="tx1"/>
+              </a:solidFill>
+              <a:effectLst>
+                <a:outerShdw blurRad="38100" dist="19050" dir="2700000" algn="tl" rotWithShape="0">
+                  <a:schemeClr val="dk1">
+                    <a:alpha val="40000"/>
+                  </a:schemeClr>
+                </a:outerShdw>
+              </a:effectLst>
+            </a:endParaRPr>
           </a:p>
         </p:txBody>
       </p:sp>
@@ -3797,8 +4285,34 @@
               </a:defRPr>
             </a:pPr>
             <a:r>
+              <a:rPr>
+                <a:ln/>
+                <a:solidFill>
+                  <a:schemeClr val="tx1"/>
+                </a:solidFill>
+                <a:effectLst>
+                  <a:outerShdw blurRad="38100" dist="19050" dir="2700000" algn="tl" rotWithShape="0">
+                    <a:schemeClr val="dk1">
+                      <a:alpha val="40000"/>
+                    </a:schemeClr>
+                  </a:outerShdw>
+                </a:effectLst>
+              </a:rPr>
               <a:t>• To design and develop a web-based system for managing student information.</a:t>
             </a:r>
+            <a:endParaRPr>
+              <a:ln/>
+              <a:solidFill>
+                <a:schemeClr val="tx1"/>
+              </a:solidFill>
+              <a:effectLst>
+                <a:outerShdw blurRad="38100" dist="19050" dir="2700000" algn="tl" rotWithShape="0">
+                  <a:schemeClr val="dk1">
+                    <a:alpha val="40000"/>
+                  </a:schemeClr>
+                </a:outerShdw>
+              </a:effectLst>
+            </a:endParaRPr>
           </a:p>
           <a:p>
             <a:pPr algn="l">
@@ -3812,8 +4326,34 @@
               </a:defRPr>
             </a:pPr>
             <a:r>
+              <a:rPr>
+                <a:ln/>
+                <a:solidFill>
+                  <a:schemeClr val="tx1"/>
+                </a:solidFill>
+                <a:effectLst>
+                  <a:outerShdw blurRad="38100" dist="19050" dir="2700000" algn="tl" rotWithShape="0">
+                    <a:schemeClr val="dk1">
+                      <a:alpha val="40000"/>
+                    </a:schemeClr>
+                  </a:outerShdw>
+                </a:effectLst>
+              </a:rPr>
               <a:t>• Enable features like adding, updating, deleting, and viewing student records.</a:t>
             </a:r>
+            <a:endParaRPr>
+              <a:ln/>
+              <a:solidFill>
+                <a:schemeClr val="tx1"/>
+              </a:solidFill>
+              <a:effectLst>
+                <a:outerShdw blurRad="38100" dist="19050" dir="2700000" algn="tl" rotWithShape="0">
+                  <a:schemeClr val="dk1">
+                    <a:alpha val="40000"/>
+                  </a:schemeClr>
+                </a:outerShdw>
+              </a:effectLst>
+            </a:endParaRPr>
           </a:p>
           <a:p>
             <a:pPr algn="l">
@@ -3827,8 +4367,34 @@
               </a:defRPr>
             </a:pPr>
             <a:r>
+              <a:rPr>
+                <a:ln/>
+                <a:solidFill>
+                  <a:schemeClr val="tx1"/>
+                </a:solidFill>
+                <a:effectLst>
+                  <a:outerShdw blurRad="38100" dist="19050" dir="2700000" algn="tl" rotWithShape="0">
+                    <a:schemeClr val="dk1">
+                      <a:alpha val="40000"/>
+                    </a:schemeClr>
+                  </a:outerShdw>
+                </a:effectLst>
+              </a:rPr>
               <a:t>• Ensure an attractive, modern user interface.</a:t>
             </a:r>
+            <a:endParaRPr>
+              <a:ln/>
+              <a:solidFill>
+                <a:schemeClr val="tx1"/>
+              </a:solidFill>
+              <a:effectLst>
+                <a:outerShdw blurRad="38100" dist="19050" dir="2700000" algn="tl" rotWithShape="0">
+                  <a:schemeClr val="dk1">
+                    <a:alpha val="40000"/>
+                  </a:schemeClr>
+                </a:outerShdw>
+              </a:effectLst>
+            </a:endParaRPr>
           </a:p>
         </p:txBody>
       </p:sp>
@@ -3928,8 +4494,34 @@
               </a:defRPr>
             </a:pPr>
             <a:r>
+              <a:rPr>
+                <a:ln/>
+                <a:solidFill>
+                  <a:schemeClr val="tx1"/>
+                </a:solidFill>
+                <a:effectLst>
+                  <a:outerShdw blurRad="38100" dist="19050" dir="2700000" algn="tl" rotWithShape="0">
+                    <a:schemeClr val="dk1">
+                      <a:alpha val="40000"/>
+                    </a:schemeClr>
+                  </a:outerShdw>
+                </a:effectLst>
+              </a:rPr>
               <a:t>Frontend: HTML, CSS (with modern styles)</a:t>
             </a:r>
+            <a:endParaRPr>
+              <a:ln/>
+              <a:solidFill>
+                <a:schemeClr val="tx1"/>
+              </a:solidFill>
+              <a:effectLst>
+                <a:outerShdw blurRad="38100" dist="19050" dir="2700000" algn="tl" rotWithShape="0">
+                  <a:schemeClr val="dk1">
+                    <a:alpha val="40000"/>
+                  </a:schemeClr>
+                </a:outerShdw>
+              </a:effectLst>
+            </a:endParaRPr>
           </a:p>
           <a:p>
             <a:pPr algn="l">
@@ -3943,8 +4535,34 @@
               </a:defRPr>
             </a:pPr>
             <a:r>
+              <a:rPr>
+                <a:ln/>
+                <a:solidFill>
+                  <a:schemeClr val="tx1"/>
+                </a:solidFill>
+                <a:effectLst>
+                  <a:outerShdw blurRad="38100" dist="19050" dir="2700000" algn="tl" rotWithShape="0">
+                    <a:schemeClr val="dk1">
+                      <a:alpha val="40000"/>
+                    </a:schemeClr>
+                  </a:outerShdw>
+                </a:effectLst>
+              </a:rPr>
               <a:t>Backend: Python with Flask Framework</a:t>
             </a:r>
+            <a:endParaRPr>
+              <a:ln/>
+              <a:solidFill>
+                <a:schemeClr val="tx1"/>
+              </a:solidFill>
+              <a:effectLst>
+                <a:outerShdw blurRad="38100" dist="19050" dir="2700000" algn="tl" rotWithShape="0">
+                  <a:schemeClr val="dk1">
+                    <a:alpha val="40000"/>
+                  </a:schemeClr>
+                </a:outerShdw>
+              </a:effectLst>
+            </a:endParaRPr>
           </a:p>
           <a:p>
             <a:pPr algn="l">
@@ -3958,8 +4576,34 @@
               </a:defRPr>
             </a:pPr>
             <a:r>
+              <a:rPr>
+                <a:ln/>
+                <a:solidFill>
+                  <a:schemeClr val="tx1"/>
+                </a:solidFill>
+                <a:effectLst>
+                  <a:outerShdw blurRad="38100" dist="19050" dir="2700000" algn="tl" rotWithShape="0">
+                    <a:schemeClr val="dk1">
+                      <a:alpha val="40000"/>
+                    </a:schemeClr>
+                  </a:outerShdw>
+                </a:effectLst>
+              </a:rPr>
               <a:t>Database: SQLite3 (lightweight and embedded)</a:t>
             </a:r>
+            <a:endParaRPr>
+              <a:ln/>
+              <a:solidFill>
+                <a:schemeClr val="tx1"/>
+              </a:solidFill>
+              <a:effectLst>
+                <a:outerShdw blurRad="38100" dist="19050" dir="2700000" algn="tl" rotWithShape="0">
+                  <a:schemeClr val="dk1">
+                    <a:alpha val="40000"/>
+                  </a:schemeClr>
+                </a:outerShdw>
+              </a:effectLst>
+            </a:endParaRPr>
           </a:p>
           <a:p>
             <a:pPr algn="l">
@@ -3973,8 +4617,34 @@
               </a:defRPr>
             </a:pPr>
             <a:r>
+              <a:rPr>
+                <a:ln/>
+                <a:solidFill>
+                  <a:schemeClr val="tx1"/>
+                </a:solidFill>
+                <a:effectLst>
+                  <a:outerShdw blurRad="38100" dist="19050" dir="2700000" algn="tl" rotWithShape="0">
+                    <a:schemeClr val="dk1">
+                      <a:alpha val="40000"/>
+                    </a:schemeClr>
+                  </a:outerShdw>
+                </a:effectLst>
+              </a:rPr>
               <a:t>Tools: VS Code / Any IDE, Flask Server</a:t>
             </a:r>
+            <a:endParaRPr>
+              <a:ln/>
+              <a:solidFill>
+                <a:schemeClr val="tx1"/>
+              </a:solidFill>
+              <a:effectLst>
+                <a:outerShdw blurRad="38100" dist="19050" dir="2700000" algn="tl" rotWithShape="0">
+                  <a:schemeClr val="dk1">
+                    <a:alpha val="40000"/>
+                  </a:schemeClr>
+                </a:outerShdw>
+              </a:effectLst>
+            </a:endParaRPr>
           </a:p>
         </p:txBody>
       </p:sp>
@@ -4057,7 +4727,12 @@
           </a:fontRef>
         </p:style>
         <p:txBody>
-          <a:bodyPr/>
+          <a:bodyPr>
+            <a:scene3d>
+              <a:camera prst="orthographicFront"/>
+              <a:lightRig rig="threePt" dir="t"/>
+            </a:scene3d>
+          </a:bodyPr>
           <a:lstStyle/>
           <a:p>
             <a:pPr algn="l"/>
@@ -4074,8 +4749,34 @@
               </a:defRPr>
             </a:pPr>
             <a:r>
+              <a:rPr>
+                <a:ln/>
+                <a:solidFill>
+                  <a:schemeClr val="tx1"/>
+                </a:solidFill>
+                <a:effectLst>
+                  <a:outerShdw blurRad="38100" dist="19050" dir="2700000" algn="tl" rotWithShape="0">
+                    <a:schemeClr val="dk1">
+                      <a:alpha val="40000"/>
+                    </a:schemeClr>
+                  </a:outerShdw>
+                </a:effectLst>
+              </a:rPr>
               <a:t>✔ Add student details (Name, Roll No, Branch, Year, Email, Phone)</a:t>
             </a:r>
+            <a:endParaRPr>
+              <a:ln/>
+              <a:solidFill>
+                <a:schemeClr val="tx1"/>
+              </a:solidFill>
+              <a:effectLst>
+                <a:outerShdw blurRad="38100" dist="19050" dir="2700000" algn="tl" rotWithShape="0">
+                  <a:schemeClr val="dk1">
+                    <a:alpha val="40000"/>
+                  </a:schemeClr>
+                </a:outerShdw>
+              </a:effectLst>
+            </a:endParaRPr>
           </a:p>
           <a:p>
             <a:pPr algn="l">
@@ -4089,8 +4790,34 @@
               </a:defRPr>
             </a:pPr>
             <a:r>
+              <a:rPr>
+                <a:ln/>
+                <a:solidFill>
+                  <a:schemeClr val="tx1"/>
+                </a:solidFill>
+                <a:effectLst>
+                  <a:outerShdw blurRad="38100" dist="19050" dir="2700000" algn="tl" rotWithShape="0">
+                    <a:schemeClr val="dk1">
+                      <a:alpha val="40000"/>
+                    </a:schemeClr>
+                  </a:outerShdw>
+                </a:effectLst>
+              </a:rPr>
               <a:t>✔ View all students in table format</a:t>
             </a:r>
+            <a:endParaRPr>
+              <a:ln/>
+              <a:solidFill>
+                <a:schemeClr val="tx1"/>
+              </a:solidFill>
+              <a:effectLst>
+                <a:outerShdw blurRad="38100" dist="19050" dir="2700000" algn="tl" rotWithShape="0">
+                  <a:schemeClr val="dk1">
+                    <a:alpha val="40000"/>
+                  </a:schemeClr>
+                </a:outerShdw>
+              </a:effectLst>
+            </a:endParaRPr>
           </a:p>
           <a:p>
             <a:pPr algn="l">
@@ -4104,8 +4831,34 @@
               </a:defRPr>
             </a:pPr>
             <a:r>
+              <a:rPr>
+                <a:ln/>
+                <a:solidFill>
+                  <a:schemeClr val="tx1"/>
+                </a:solidFill>
+                <a:effectLst>
+                  <a:outerShdw blurRad="38100" dist="19050" dir="2700000" algn="tl" rotWithShape="0">
+                    <a:schemeClr val="dk1">
+                      <a:alpha val="40000"/>
+                    </a:schemeClr>
+                  </a:outerShdw>
+                </a:effectLst>
+              </a:rPr>
               <a:t>✔ Update existing records</a:t>
             </a:r>
+            <a:endParaRPr>
+              <a:ln/>
+              <a:solidFill>
+                <a:schemeClr val="tx1"/>
+              </a:solidFill>
+              <a:effectLst>
+                <a:outerShdw blurRad="38100" dist="19050" dir="2700000" algn="tl" rotWithShape="0">
+                  <a:schemeClr val="dk1">
+                    <a:alpha val="40000"/>
+                  </a:schemeClr>
+                </a:outerShdw>
+              </a:effectLst>
+            </a:endParaRPr>
           </a:p>
           <a:p>
             <a:pPr algn="l">
@@ -4119,8 +4872,34 @@
               </a:defRPr>
             </a:pPr>
             <a:r>
+              <a:rPr>
+                <a:ln/>
+                <a:solidFill>
+                  <a:schemeClr val="tx1"/>
+                </a:solidFill>
+                <a:effectLst>
+                  <a:outerShdw blurRad="38100" dist="19050" dir="2700000" algn="tl" rotWithShape="0">
+                    <a:schemeClr val="dk1">
+                      <a:alpha val="40000"/>
+                    </a:schemeClr>
+                  </a:outerShdw>
+                </a:effectLst>
+              </a:rPr>
               <a:t>✔ Delete records</a:t>
             </a:r>
+            <a:endParaRPr>
+              <a:ln/>
+              <a:solidFill>
+                <a:schemeClr val="tx1"/>
+              </a:solidFill>
+              <a:effectLst>
+                <a:outerShdw blurRad="38100" dist="19050" dir="2700000" algn="tl" rotWithShape="0">
+                  <a:schemeClr val="dk1">
+                    <a:alpha val="40000"/>
+                  </a:schemeClr>
+                </a:outerShdw>
+              </a:effectLst>
+            </a:endParaRPr>
           </a:p>
           <a:p>
             <a:pPr algn="l">
@@ -4134,8 +4913,34 @@
               </a:defRPr>
             </a:pPr>
             <a:r>
+              <a:rPr>
+                <a:ln/>
+                <a:solidFill>
+                  <a:schemeClr val="tx1"/>
+                </a:solidFill>
+                <a:effectLst>
+                  <a:outerShdw blurRad="38100" dist="19050" dir="2700000" algn="tl" rotWithShape="0">
+                    <a:schemeClr val="dk1">
+                      <a:alpha val="40000"/>
+                    </a:schemeClr>
+                  </a:outerShdw>
+                </a:effectLst>
+              </a:rPr>
               <a:t>✔ Stylish and responsive UI with gradient background</a:t>
             </a:r>
+            <a:endParaRPr>
+              <a:ln/>
+              <a:solidFill>
+                <a:schemeClr val="tx1"/>
+              </a:solidFill>
+              <a:effectLst>
+                <a:outerShdw blurRad="38100" dist="19050" dir="2700000" algn="tl" rotWithShape="0">
+                  <a:schemeClr val="dk1">
+                    <a:alpha val="40000"/>
+                  </a:schemeClr>
+                </a:outerShdw>
+              </a:effectLst>
+            </a:endParaRPr>
           </a:p>
         </p:txBody>
       </p:sp>
@@ -4218,7 +5023,12 @@
           </a:fontRef>
         </p:style>
         <p:txBody>
-          <a:bodyPr/>
+          <a:bodyPr>
+            <a:scene3d>
+              <a:camera prst="orthographicFront"/>
+              <a:lightRig rig="threePt" dir="t"/>
+            </a:scene3d>
+          </a:bodyPr>
           <a:lstStyle/>
           <a:p>
             <a:pPr algn="l"/>
@@ -4235,8 +5045,34 @@
               </a:defRPr>
             </a:pPr>
             <a:r>
+              <a:rPr>
+                <a:ln/>
+                <a:solidFill>
+                  <a:schemeClr val="tx1"/>
+                </a:solidFill>
+                <a:effectLst>
+                  <a:outerShdw blurRad="38100" dist="19050" dir="2700000" algn="tl" rotWithShape="0">
+                    <a:schemeClr val="dk1">
+                      <a:alpha val="40000"/>
+                    </a:schemeClr>
+                  </a:outerShdw>
+                </a:effectLst>
+              </a:rPr>
               <a:t>Table: students</a:t>
             </a:r>
+            <a:endParaRPr>
+              <a:ln/>
+              <a:solidFill>
+                <a:schemeClr val="tx1"/>
+              </a:solidFill>
+              <a:effectLst>
+                <a:outerShdw blurRad="38100" dist="19050" dir="2700000" algn="tl" rotWithShape="0">
+                  <a:schemeClr val="dk1">
+                    <a:alpha val="40000"/>
+                  </a:schemeClr>
+                </a:outerShdw>
+              </a:effectLst>
+            </a:endParaRPr>
           </a:p>
           <a:p>
             <a:pPr algn="l">
@@ -4250,8 +5086,34 @@
               </a:defRPr>
             </a:pPr>
             <a:r>
+              <a:rPr>
+                <a:ln/>
+                <a:solidFill>
+                  <a:schemeClr val="tx1"/>
+                </a:solidFill>
+                <a:effectLst>
+                  <a:outerShdw blurRad="38100" dist="19050" dir="2700000" algn="tl" rotWithShape="0">
+                    <a:schemeClr val="dk1">
+                      <a:alpha val="40000"/>
+                    </a:schemeClr>
+                  </a:outerShdw>
+                </a:effectLst>
+              </a:rPr>
               <a:t>Columns:</a:t>
             </a:r>
+            <a:endParaRPr>
+              <a:ln/>
+              <a:solidFill>
+                <a:schemeClr val="tx1"/>
+              </a:solidFill>
+              <a:effectLst>
+                <a:outerShdw blurRad="38100" dist="19050" dir="2700000" algn="tl" rotWithShape="0">
+                  <a:schemeClr val="dk1">
+                    <a:alpha val="40000"/>
+                  </a:schemeClr>
+                </a:outerShdw>
+              </a:effectLst>
+            </a:endParaRPr>
           </a:p>
           <a:p>
             <a:pPr algn="l">
@@ -4265,8 +5127,34 @@
               </a:defRPr>
             </a:pPr>
             <a:r>
+              <a:rPr>
+                <a:ln/>
+                <a:solidFill>
+                  <a:schemeClr val="tx1"/>
+                </a:solidFill>
+                <a:effectLst>
+                  <a:outerShdw blurRad="38100" dist="19050" dir="2700000" algn="tl" rotWithShape="0">
+                    <a:schemeClr val="dk1">
+                      <a:alpha val="40000"/>
+                    </a:schemeClr>
+                  </a:outerShdw>
+                </a:effectLst>
+              </a:rPr>
               <a:t> - id (Primary Key)</a:t>
             </a:r>
+            <a:endParaRPr>
+              <a:ln/>
+              <a:solidFill>
+                <a:schemeClr val="tx1"/>
+              </a:solidFill>
+              <a:effectLst>
+                <a:outerShdw blurRad="38100" dist="19050" dir="2700000" algn="tl" rotWithShape="0">
+                  <a:schemeClr val="dk1">
+                    <a:alpha val="40000"/>
+                  </a:schemeClr>
+                </a:outerShdw>
+              </a:effectLst>
+            </a:endParaRPr>
           </a:p>
           <a:p>
             <a:pPr algn="l">
@@ -4280,8 +5168,34 @@
               </a:defRPr>
             </a:pPr>
             <a:r>
+              <a:rPr>
+                <a:ln/>
+                <a:solidFill>
+                  <a:schemeClr val="tx1"/>
+                </a:solidFill>
+                <a:effectLst>
+                  <a:outerShdw blurRad="38100" dist="19050" dir="2700000" algn="tl" rotWithShape="0">
+                    <a:schemeClr val="dk1">
+                      <a:alpha val="40000"/>
+                    </a:schemeClr>
+                  </a:outerShdw>
+                </a:effectLst>
+              </a:rPr>
               <a:t> - name (Text)</a:t>
             </a:r>
+            <a:endParaRPr>
+              <a:ln/>
+              <a:solidFill>
+                <a:schemeClr val="tx1"/>
+              </a:solidFill>
+              <a:effectLst>
+                <a:outerShdw blurRad="38100" dist="19050" dir="2700000" algn="tl" rotWithShape="0">
+                  <a:schemeClr val="dk1">
+                    <a:alpha val="40000"/>
+                  </a:schemeClr>
+                </a:outerShdw>
+              </a:effectLst>
+            </a:endParaRPr>
           </a:p>
           <a:p>
             <a:pPr algn="l">
@@ -4295,8 +5209,34 @@
               </a:defRPr>
             </a:pPr>
             <a:r>
+              <a:rPr>
+                <a:ln/>
+                <a:solidFill>
+                  <a:schemeClr val="tx1"/>
+                </a:solidFill>
+                <a:effectLst>
+                  <a:outerShdw blurRad="38100" dist="19050" dir="2700000" algn="tl" rotWithShape="0">
+                    <a:schemeClr val="dk1">
+                      <a:alpha val="40000"/>
+                    </a:schemeClr>
+                  </a:outerShdw>
+                </a:effectLst>
+              </a:rPr>
               <a:t> - roll (Text)</a:t>
             </a:r>
+            <a:endParaRPr>
+              <a:ln/>
+              <a:solidFill>
+                <a:schemeClr val="tx1"/>
+              </a:solidFill>
+              <a:effectLst>
+                <a:outerShdw blurRad="38100" dist="19050" dir="2700000" algn="tl" rotWithShape="0">
+                  <a:schemeClr val="dk1">
+                    <a:alpha val="40000"/>
+                  </a:schemeClr>
+                </a:outerShdw>
+              </a:effectLst>
+            </a:endParaRPr>
           </a:p>
           <a:p>
             <a:pPr algn="l">
@@ -4310,8 +5250,34 @@
               </a:defRPr>
             </a:pPr>
             <a:r>
+              <a:rPr>
+                <a:ln/>
+                <a:solidFill>
+                  <a:schemeClr val="tx1"/>
+                </a:solidFill>
+                <a:effectLst>
+                  <a:outerShdw blurRad="38100" dist="19050" dir="2700000" algn="tl" rotWithShape="0">
+                    <a:schemeClr val="dk1">
+                      <a:alpha val="40000"/>
+                    </a:schemeClr>
+                  </a:outerShdw>
+                </a:effectLst>
+              </a:rPr>
               <a:t> - branch (Text)</a:t>
             </a:r>
+            <a:endParaRPr>
+              <a:ln/>
+              <a:solidFill>
+                <a:schemeClr val="tx1"/>
+              </a:solidFill>
+              <a:effectLst>
+                <a:outerShdw blurRad="38100" dist="19050" dir="2700000" algn="tl" rotWithShape="0">
+                  <a:schemeClr val="dk1">
+                    <a:alpha val="40000"/>
+                  </a:schemeClr>
+                </a:outerShdw>
+              </a:effectLst>
+            </a:endParaRPr>
           </a:p>
           <a:p>
             <a:pPr algn="l">
@@ -4325,8 +5291,34 @@
               </a:defRPr>
             </a:pPr>
             <a:r>
+              <a:rPr>
+                <a:ln/>
+                <a:solidFill>
+                  <a:schemeClr val="tx1"/>
+                </a:solidFill>
+                <a:effectLst>
+                  <a:outerShdw blurRad="38100" dist="19050" dir="2700000" algn="tl" rotWithShape="0">
+                    <a:schemeClr val="dk1">
+                      <a:alpha val="40000"/>
+                    </a:schemeClr>
+                  </a:outerShdw>
+                </a:effectLst>
+              </a:rPr>
               <a:t> - year (Text)</a:t>
             </a:r>
+            <a:endParaRPr>
+              <a:ln/>
+              <a:solidFill>
+                <a:schemeClr val="tx1"/>
+              </a:solidFill>
+              <a:effectLst>
+                <a:outerShdw blurRad="38100" dist="19050" dir="2700000" algn="tl" rotWithShape="0">
+                  <a:schemeClr val="dk1">
+                    <a:alpha val="40000"/>
+                  </a:schemeClr>
+                </a:outerShdw>
+              </a:effectLst>
+            </a:endParaRPr>
           </a:p>
           <a:p>
             <a:pPr algn="l">
@@ -4340,8 +5332,34 @@
               </a:defRPr>
             </a:pPr>
             <a:r>
+              <a:rPr>
+                <a:ln/>
+                <a:solidFill>
+                  <a:schemeClr val="tx1"/>
+                </a:solidFill>
+                <a:effectLst>
+                  <a:outerShdw blurRad="38100" dist="19050" dir="2700000" algn="tl" rotWithShape="0">
+                    <a:schemeClr val="dk1">
+                      <a:alpha val="40000"/>
+                    </a:schemeClr>
+                  </a:outerShdw>
+                </a:effectLst>
+              </a:rPr>
               <a:t> - email (Text)</a:t>
             </a:r>
+            <a:endParaRPr>
+              <a:ln/>
+              <a:solidFill>
+                <a:schemeClr val="tx1"/>
+              </a:solidFill>
+              <a:effectLst>
+                <a:outerShdw blurRad="38100" dist="19050" dir="2700000" algn="tl" rotWithShape="0">
+                  <a:schemeClr val="dk1">
+                    <a:alpha val="40000"/>
+                  </a:schemeClr>
+                </a:outerShdw>
+              </a:effectLst>
+            </a:endParaRPr>
           </a:p>
           <a:p>
             <a:pPr algn="l">
@@ -4355,8 +5373,34 @@
               </a:defRPr>
             </a:pPr>
             <a:r>
+              <a:rPr>
+                <a:ln/>
+                <a:solidFill>
+                  <a:schemeClr val="tx1"/>
+                </a:solidFill>
+                <a:effectLst>
+                  <a:outerShdw blurRad="38100" dist="19050" dir="2700000" algn="tl" rotWithShape="0">
+                    <a:schemeClr val="dk1">
+                      <a:alpha val="40000"/>
+                    </a:schemeClr>
+                  </a:outerShdw>
+                </a:effectLst>
+              </a:rPr>
               <a:t> - phone (Text)</a:t>
             </a:r>
+            <a:endParaRPr>
+              <a:ln/>
+              <a:solidFill>
+                <a:schemeClr val="tx1"/>
+              </a:solidFill>
+              <a:effectLst>
+                <a:outerShdw blurRad="38100" dist="19050" dir="2700000" algn="tl" rotWithShape="0">
+                  <a:schemeClr val="dk1">
+                    <a:alpha val="40000"/>
+                  </a:schemeClr>
+                </a:outerShdw>
+              </a:effectLst>
+            </a:endParaRPr>
           </a:p>
         </p:txBody>
       </p:sp>
@@ -4669,7 +5713,12 @@
           </a:fontRef>
         </p:style>
         <p:txBody>
-          <a:bodyPr/>
+          <a:bodyPr>
+            <a:scene3d>
+              <a:camera prst="orthographicFront"/>
+              <a:lightRig rig="threePt" dir="t"/>
+            </a:scene3d>
+          </a:bodyPr>
           <a:lstStyle/>
           <a:p>
             <a:pPr algn="l"/>
@@ -4686,8 +5735,34 @@
               </a:defRPr>
             </a:pPr>
             <a:r>
+              <a:rPr>
+                <a:ln/>
+                <a:solidFill>
+                  <a:schemeClr val="tx1"/>
+                </a:solidFill>
+                <a:effectLst>
+                  <a:outerShdw blurRad="38100" dist="19050" dir="2700000" algn="tl" rotWithShape="0">
+                    <a:schemeClr val="dk1">
+                      <a:alpha val="40000"/>
+                    </a:schemeClr>
+                  </a:outerShdw>
+                </a:effectLst>
+              </a:rPr>
               <a:t>✔ Easy to use</a:t>
             </a:r>
+            <a:endParaRPr>
+              <a:ln/>
+              <a:solidFill>
+                <a:schemeClr val="tx1"/>
+              </a:solidFill>
+              <a:effectLst>
+                <a:outerShdw blurRad="38100" dist="19050" dir="2700000" algn="tl" rotWithShape="0">
+                  <a:schemeClr val="dk1">
+                    <a:alpha val="40000"/>
+                  </a:schemeClr>
+                </a:outerShdw>
+              </a:effectLst>
+            </a:endParaRPr>
           </a:p>
           <a:p>
             <a:pPr algn="l">
@@ -4701,8 +5776,34 @@
               </a:defRPr>
             </a:pPr>
             <a:r>
+              <a:rPr>
+                <a:ln/>
+                <a:solidFill>
+                  <a:schemeClr val="tx1"/>
+                </a:solidFill>
+                <a:effectLst>
+                  <a:outerShdw blurRad="38100" dist="19050" dir="2700000" algn="tl" rotWithShape="0">
+                    <a:schemeClr val="dk1">
+                      <a:alpha val="40000"/>
+                    </a:schemeClr>
+                  </a:outerShdw>
+                </a:effectLst>
+              </a:rPr>
               <a:t>✔ Centralized student data</a:t>
             </a:r>
+            <a:endParaRPr>
+              <a:ln/>
+              <a:solidFill>
+                <a:schemeClr val="tx1"/>
+              </a:solidFill>
+              <a:effectLst>
+                <a:outerShdw blurRad="38100" dist="19050" dir="2700000" algn="tl" rotWithShape="0">
+                  <a:schemeClr val="dk1">
+                    <a:alpha val="40000"/>
+                  </a:schemeClr>
+                </a:outerShdw>
+              </a:effectLst>
+            </a:endParaRPr>
           </a:p>
           <a:p>
             <a:pPr algn="l">
@@ -4716,8 +5817,34 @@
               </a:defRPr>
             </a:pPr>
             <a:r>
+              <a:rPr>
+                <a:ln/>
+                <a:solidFill>
+                  <a:schemeClr val="tx1"/>
+                </a:solidFill>
+                <a:effectLst>
+                  <a:outerShdw blurRad="38100" dist="19050" dir="2700000" algn="tl" rotWithShape="0">
+                    <a:schemeClr val="dk1">
+                      <a:alpha val="40000"/>
+                    </a:schemeClr>
+                  </a:outerShdw>
+                </a:effectLst>
+              </a:rPr>
               <a:t>✔ Clean and responsive UI</a:t>
             </a:r>
+            <a:endParaRPr>
+              <a:ln/>
+              <a:solidFill>
+                <a:schemeClr val="tx1"/>
+              </a:solidFill>
+              <a:effectLst>
+                <a:outerShdw blurRad="38100" dist="19050" dir="2700000" algn="tl" rotWithShape="0">
+                  <a:schemeClr val="dk1">
+                    <a:alpha val="40000"/>
+                  </a:schemeClr>
+                </a:outerShdw>
+              </a:effectLst>
+            </a:endParaRPr>
           </a:p>
           <a:p>
             <a:pPr algn="l">
@@ -4731,8 +5858,34 @@
               </a:defRPr>
             </a:pPr>
             <a:r>
+              <a:rPr>
+                <a:ln/>
+                <a:solidFill>
+                  <a:schemeClr val="tx1"/>
+                </a:solidFill>
+                <a:effectLst>
+                  <a:outerShdw blurRad="38100" dist="19050" dir="2700000" algn="tl" rotWithShape="0">
+                    <a:schemeClr val="dk1">
+                      <a:alpha val="40000"/>
+                    </a:schemeClr>
+                  </a:outerShdw>
+                </a:effectLst>
+              </a:rPr>
               <a:t>✔ Easy to modify and extend</a:t>
             </a:r>
+            <a:endParaRPr>
+              <a:ln/>
+              <a:solidFill>
+                <a:schemeClr val="tx1"/>
+              </a:solidFill>
+              <a:effectLst>
+                <a:outerShdw blurRad="38100" dist="19050" dir="2700000" algn="tl" rotWithShape="0">
+                  <a:schemeClr val="dk1">
+                    <a:alpha val="40000"/>
+                  </a:schemeClr>
+                </a:outerShdw>
+              </a:effectLst>
+            </a:endParaRPr>
           </a:p>
         </p:txBody>
       </p:sp>
